--- a/MichelesPrepFiles/Talk/Slides/Custom QGIS Symbols with Inkscape.pptx
+++ b/MichelesPrepFiles/Talk/Slides/Custom QGIS Symbols with Inkscape.pptx
@@ -266,7 +266,7 @@
           <a:p>
             <a:fld id="{3EC5AA90-EC6E-47E8-A49F-95780859B7FE}" type="datetimeFigureOut">
               <a:rPr lang="en-US" smtClean="0"/>
-              <a:t>8/11/2017</a:t>
+              <a:t>8/17/2017</a:t>
             </a:fld>
             <a:endParaRPr lang="en-US"/>
           </a:p>
@@ -436,7 +436,7 @@
           <a:p>
             <a:fld id="{3EC5AA90-EC6E-47E8-A49F-95780859B7FE}" type="datetimeFigureOut">
               <a:rPr lang="en-US" smtClean="0"/>
-              <a:t>8/11/2017</a:t>
+              <a:t>8/17/2017</a:t>
             </a:fld>
             <a:endParaRPr lang="en-US"/>
           </a:p>
@@ -616,7 +616,7 @@
           <a:p>
             <a:fld id="{3EC5AA90-EC6E-47E8-A49F-95780859B7FE}" type="datetimeFigureOut">
               <a:rPr lang="en-US" smtClean="0"/>
-              <a:t>8/11/2017</a:t>
+              <a:t>8/17/2017</a:t>
             </a:fld>
             <a:endParaRPr lang="en-US"/>
           </a:p>
@@ -855,7 +855,7 @@
             <a:fld id="{3EC5AA90-EC6E-47E8-A49F-95780859B7FE}" type="datetimeFigureOut">
               <a:rPr lang="en-US" smtClean="0"/>
               <a:pPr/>
-              <a:t>8/11/2017</a:t>
+              <a:t>8/17/2017</a:t>
             </a:fld>
             <a:endParaRPr lang="en-US"/>
           </a:p>
@@ -1152,7 +1152,7 @@
             <a:fld id="{3EC5AA90-EC6E-47E8-A49F-95780859B7FE}" type="datetimeFigureOut">
               <a:rPr lang="en-US" smtClean="0"/>
               <a:pPr/>
-              <a:t>8/11/2017</a:t>
+              <a:t>8/17/2017</a:t>
             </a:fld>
             <a:endParaRPr lang="en-US"/>
           </a:p>
@@ -1397,7 +1397,7 @@
           <a:p>
             <a:fld id="{3EC5AA90-EC6E-47E8-A49F-95780859B7FE}" type="datetimeFigureOut">
               <a:rPr lang="en-US" smtClean="0"/>
-              <a:t>8/11/2017</a:t>
+              <a:t>8/17/2017</a:t>
             </a:fld>
             <a:endParaRPr lang="en-US"/>
           </a:p>
@@ -1764,7 +1764,7 @@
           <a:p>
             <a:fld id="{3EC5AA90-EC6E-47E8-A49F-95780859B7FE}" type="datetimeFigureOut">
               <a:rPr lang="en-US" smtClean="0"/>
-              <a:t>8/11/2017</a:t>
+              <a:t>8/17/2017</a:t>
             </a:fld>
             <a:endParaRPr lang="en-US"/>
           </a:p>
@@ -1882,7 +1882,7 @@
           <a:p>
             <a:fld id="{3EC5AA90-EC6E-47E8-A49F-95780859B7FE}" type="datetimeFigureOut">
               <a:rPr lang="en-US" smtClean="0"/>
-              <a:t>8/11/2017</a:t>
+              <a:t>8/17/2017</a:t>
             </a:fld>
             <a:endParaRPr lang="en-US"/>
           </a:p>
@@ -2007,7 +2007,7 @@
           <a:p>
             <a:fld id="{3EC5AA90-EC6E-47E8-A49F-95780859B7FE}" type="datetimeFigureOut">
               <a:rPr lang="en-US" smtClean="0"/>
-              <a:t>8/11/2017</a:t>
+              <a:t>8/17/2017</a:t>
             </a:fld>
             <a:endParaRPr lang="en-US"/>
           </a:p>
@@ -2284,7 +2284,7 @@
           <a:p>
             <a:fld id="{3EC5AA90-EC6E-47E8-A49F-95780859B7FE}" type="datetimeFigureOut">
               <a:rPr lang="en-US" smtClean="0"/>
-              <a:t>8/11/2017</a:t>
+              <a:t>8/17/2017</a:t>
             </a:fld>
             <a:endParaRPr lang="en-US"/>
           </a:p>
@@ -2541,7 +2541,7 @@
           <a:p>
             <a:fld id="{3EC5AA90-EC6E-47E8-A49F-95780859B7FE}" type="datetimeFigureOut">
               <a:rPr lang="en-US" smtClean="0"/>
-              <a:t>8/11/2017</a:t>
+              <a:t>8/17/2017</a:t>
             </a:fld>
             <a:endParaRPr lang="en-US"/>
           </a:p>
@@ -2786,7 +2786,7 @@
             <a:fld id="{3EC5AA90-EC6E-47E8-A49F-95780859B7FE}" type="datetimeFigureOut">
               <a:rPr lang="en-US" smtClean="0"/>
               <a:pPr/>
-              <a:t>8/11/2017</a:t>
+              <a:t>8/17/2017</a:t>
             </a:fld>
             <a:endParaRPr lang="en-US"/>
           </a:p>
@@ -3399,25 +3399,6 @@
           </a:p>
         </p:txBody>
       </p:sp>
-      <p:sp>
-        <p:nvSpPr>
-          <p:cNvPr id="3" name="Text Placeholder 2"/>
-          <p:cNvSpPr>
-            <a:spLocks noGrp="1"/>
-          </p:cNvSpPr>
-          <p:nvPr>
-            <p:ph type="body" idx="1"/>
-          </p:nvPr>
-        </p:nvSpPr>
-        <p:spPr/>
-        <p:txBody>
-          <a:bodyPr/>
-          <a:lstStyle/>
-          <a:p>
-            <a:endParaRPr lang="en-US"/>
-          </a:p>
-        </p:txBody>
-      </p:sp>
     </p:spTree>
     <p:extLst>
       <p:ext uri="{BB962C8B-B14F-4D97-AF65-F5344CB8AC3E}">
@@ -3862,25 +3843,6 @@
           </a:p>
         </p:txBody>
       </p:sp>
-      <p:sp>
-        <p:nvSpPr>
-          <p:cNvPr id="5" name="Text Placeholder 4"/>
-          <p:cNvSpPr>
-            <a:spLocks noGrp="1"/>
-          </p:cNvSpPr>
-          <p:nvPr>
-            <p:ph type="body" idx="1"/>
-          </p:nvPr>
-        </p:nvSpPr>
-        <p:spPr/>
-        <p:txBody>
-          <a:bodyPr/>
-          <a:lstStyle/>
-          <a:p>
-            <a:endParaRPr lang="en-US"/>
-          </a:p>
-        </p:txBody>
-      </p:sp>
     </p:spTree>
     <p:extLst>
       <p:ext uri="{BB962C8B-B14F-4D97-AF65-F5344CB8AC3E}">
@@ -4885,25 +4847,6 @@
           </a:p>
         </p:txBody>
       </p:sp>
-      <p:sp>
-        <p:nvSpPr>
-          <p:cNvPr id="4" name="Text Placeholder 3"/>
-          <p:cNvSpPr>
-            <a:spLocks noGrp="1"/>
-          </p:cNvSpPr>
-          <p:nvPr>
-            <p:ph type="body" idx="1"/>
-          </p:nvPr>
-        </p:nvSpPr>
-        <p:spPr/>
-        <p:txBody>
-          <a:bodyPr/>
-          <a:lstStyle/>
-          <a:p>
-            <a:endParaRPr lang="en-US"/>
-          </a:p>
-        </p:txBody>
-      </p:sp>
     </p:spTree>
     <p:extLst>
       <p:ext uri="{BB962C8B-B14F-4D97-AF65-F5344CB8AC3E}">
@@ -5066,7 +5009,41 @@
             </a:pPr>
             <a:r>
               <a:rPr lang="en-US" sz="3600" dirty="0" smtClean="0"/>
-              <a:t>Layer Properties </a:t>
+              <a:t>Make an SVG image in </a:t>
+            </a:r>
+            <a:r>
+              <a:rPr lang="en-US" sz="3600" dirty="0" err="1" smtClean="0"/>
+              <a:t>Inkscape</a:t>
+            </a:r>
+            <a:endParaRPr lang="en-US" sz="3600" dirty="0" smtClean="0"/>
+          </a:p>
+          <a:p>
+            <a:pPr marL="0" indent="0">
+              <a:buNone/>
+            </a:pPr>
+            <a:endParaRPr lang="en-US" sz="3600" dirty="0"/>
+          </a:p>
+          <a:p>
+            <a:pPr marL="0" indent="0">
+              <a:buNone/>
+            </a:pPr>
+            <a:r>
+              <a:rPr lang="en-US" sz="3600" dirty="0" smtClean="0"/>
+              <a:t>QGIS </a:t>
+            </a:r>
+            <a:r>
+              <a:rPr lang="en-US" sz="3600" dirty="0" smtClean="0">
+                <a:sym typeface="Wingdings" panose="05000000000000000000" pitchFamily="2" charset="2"/>
+              </a:rPr>
+              <a:t> </a:t>
+            </a:r>
+            <a:r>
+              <a:rPr lang="en-US" sz="3600" dirty="0" smtClean="0"/>
+              <a:t>Layer </a:t>
+            </a:r>
+            <a:r>
+              <a:rPr lang="en-US" sz="3600" dirty="0" smtClean="0"/>
+              <a:t>Properties </a:t>
             </a:r>
             <a:r>
               <a:rPr lang="en-US" sz="3600" dirty="0" smtClean="0">

--- a/MichelesPrepFiles/Talk/Slides/Custom QGIS Symbols with Inkscape.pptx
+++ b/MichelesPrepFiles/Talk/Slides/Custom QGIS Symbols with Inkscape.pptx
@@ -4486,7 +4486,9 @@
         </p:nvSpPr>
         <p:spPr/>
         <p:txBody>
-          <a:bodyPr/>
+          <a:bodyPr>
+            <a:normAutofit fontScale="92500"/>
+          </a:bodyPr>
           <a:lstStyle/>
           <a:p>
             <a:pPr marL="0" indent="0">
@@ -4525,22 +4527,66 @@
               <a:buNone/>
             </a:pPr>
             <a:r>
-              <a:rPr lang="en-US" dirty="0" err="1" smtClean="0"/>
-              <a:t>Inkscape</a:t>
-            </a:r>
-            <a:r>
-              <a:rPr lang="en-US" dirty="0"/>
-              <a:t> Tutorials: </a:t>
+              <a:rPr lang="en-US" dirty="0" smtClean="0"/>
+              <a:t>Cartography Collections for Resources Sharing Plugin: </a:t>
+            </a:r>
+            <a:r>
+              <a:rPr lang="en-US" dirty="0" smtClean="0">
+                <a:hlinkClick r:id="rId3"/>
+              </a:rPr>
+              <a:t>https</a:t>
             </a:r>
             <a:r>
               <a:rPr lang="en-US" dirty="0">
                 <a:hlinkClick r:id="rId3"/>
               </a:rPr>
-              <a:t>https://inkscape.org/en/learn</a:t>
+              <a:t>://</a:t>
             </a:r>
             <a:r>
               <a:rPr lang="en-US" dirty="0" smtClean="0">
                 <a:hlinkClick r:id="rId3"/>
+              </a:rPr>
+              <a:t>github.com/MicheleTobias/QGIS-Cartography-Resources</a:t>
+            </a:r>
+            <a:r>
+              <a:rPr lang="en-US" dirty="0" smtClean="0"/>
+              <a:t> </a:t>
+            </a:r>
+            <a:endParaRPr lang="en-US" dirty="0" smtClean="0"/>
+          </a:p>
+          <a:p>
+            <a:pPr marL="0" indent="0">
+              <a:buNone/>
+            </a:pPr>
+            <a:endParaRPr lang="en-US" dirty="0"/>
+          </a:p>
+          <a:p>
+            <a:pPr marL="0" indent="0">
+              <a:buNone/>
+            </a:pPr>
+            <a:r>
+              <a:rPr lang="en-US" dirty="0" err="1" smtClean="0"/>
+              <a:t>Inkscape</a:t>
+            </a:r>
+            <a:r>
+              <a:rPr lang="en-US" dirty="0"/>
+              <a:t> Tutorials: </a:t>
+            </a:r>
+            <a:r>
+              <a:rPr lang="en-US" dirty="0" smtClean="0">
+                <a:hlinkClick r:id="rId4"/>
+              </a:rPr>
+              <a:t>https</a:t>
+            </a:r>
+            <a:r>
+              <a:rPr lang="en-US" dirty="0">
+                <a:hlinkClick r:id="rId4"/>
+              </a:rPr>
+              <a:t>://inkscape.org/en/learn</a:t>
+            </a:r>
+            <a:r>
+              <a:rPr lang="en-US" dirty="0" smtClean="0">
+                <a:hlinkClick r:id="rId4"/>
               </a:rPr>
               <a:t>/</a:t>
             </a:r>
@@ -5039,11 +5085,7 @@
             </a:r>
             <a:r>
               <a:rPr lang="en-US" sz="3600" dirty="0" smtClean="0"/>
-              <a:t>Layer </a:t>
-            </a:r>
-            <a:r>
-              <a:rPr lang="en-US" sz="3600" dirty="0" smtClean="0"/>
-              <a:t>Properties </a:t>
+              <a:t>Layer Properties </a:t>
             </a:r>
             <a:r>
               <a:rPr lang="en-US" sz="3600" dirty="0" smtClean="0">
